--- a/Daily Agendas/Day1.1_GitHub Intro_Feb05.pptx
+++ b/Daily Agendas/Day1.1_GitHub Intro_Feb05.pptx
@@ -124,6 +124,10 @@
 </p:presentation>
 </file>
 
+<file path=ppt/revisionInfo.xml><?xml version="1.0" encoding="utf-8"?>
+<p1510:revInfo xmlns:a="http://schemas.openxmlformats.org/drawingml/2006/main" xmlns:r="http://schemas.openxmlformats.org/officeDocument/2006/relationships" xmlns:p1510="http://schemas.microsoft.com/office/powerpoint/2015/10/main"/>
+</file>
+
 <file path=ppt/slideLayouts/slideLayout1.xml><?xml version="1.0" encoding="utf-8"?>
 <p:sldLayout xmlns:a="http://schemas.openxmlformats.org/drawingml/2006/main" xmlns:r="http://schemas.openxmlformats.org/officeDocument/2006/relationships" xmlns:p="http://schemas.openxmlformats.org/presentationml/2006/main" type="title" preserve="1">
   <p:cSld name="Title Slide">
@@ -304,7 +308,7 @@
             <a:fld id="{1D8BD707-D9CF-40AE-B4C6-C98DA3205C09}" type="datetimeFigureOut">
               <a:rPr lang="en-US" smtClean="0"/>
               <a:pPr/>
-              <a:t>2/3/2018</a:t>
+              <a:t>2/4/2018</a:t>
             </a:fld>
             <a:endParaRPr lang="en-US"/>
           </a:p>
@@ -469,7 +473,7 @@
             <a:fld id="{1D8BD707-D9CF-40AE-B4C6-C98DA3205C09}" type="datetimeFigureOut">
               <a:rPr lang="en-US" smtClean="0"/>
               <a:pPr/>
-              <a:t>2/3/2018</a:t>
+              <a:t>2/4/2018</a:t>
             </a:fld>
             <a:endParaRPr lang="en-US"/>
           </a:p>
@@ -644,7 +648,7 @@
             <a:fld id="{1D8BD707-D9CF-40AE-B4C6-C98DA3205C09}" type="datetimeFigureOut">
               <a:rPr lang="en-US" smtClean="0"/>
               <a:pPr/>
-              <a:t>2/3/2018</a:t>
+              <a:t>2/4/2018</a:t>
             </a:fld>
             <a:endParaRPr lang="en-US"/>
           </a:p>
@@ -809,7 +813,7 @@
             <a:fld id="{1D8BD707-D9CF-40AE-B4C6-C98DA3205C09}" type="datetimeFigureOut">
               <a:rPr lang="en-US" smtClean="0"/>
               <a:pPr/>
-              <a:t>2/3/2018</a:t>
+              <a:t>2/4/2018</a:t>
             </a:fld>
             <a:endParaRPr lang="en-US"/>
           </a:p>
@@ -1051,7 +1055,7 @@
             <a:fld id="{1D8BD707-D9CF-40AE-B4C6-C98DA3205C09}" type="datetimeFigureOut">
               <a:rPr lang="en-US" smtClean="0"/>
               <a:pPr/>
-              <a:t>2/3/2018</a:t>
+              <a:t>2/4/2018</a:t>
             </a:fld>
             <a:endParaRPr lang="en-US"/>
           </a:p>
@@ -1333,7 +1337,7 @@
             <a:fld id="{1D8BD707-D9CF-40AE-B4C6-C98DA3205C09}" type="datetimeFigureOut">
               <a:rPr lang="en-US" smtClean="0"/>
               <a:pPr/>
-              <a:t>2/3/2018</a:t>
+              <a:t>2/4/2018</a:t>
             </a:fld>
             <a:endParaRPr lang="en-US"/>
           </a:p>
@@ -1749,7 +1753,7 @@
             <a:fld id="{1D8BD707-D9CF-40AE-B4C6-C98DA3205C09}" type="datetimeFigureOut">
               <a:rPr lang="en-US" smtClean="0"/>
               <a:pPr/>
-              <a:t>2/3/2018</a:t>
+              <a:t>2/4/2018</a:t>
             </a:fld>
             <a:endParaRPr lang="en-US"/>
           </a:p>
@@ -1863,7 +1867,7 @@
             <a:fld id="{1D8BD707-D9CF-40AE-B4C6-C98DA3205C09}" type="datetimeFigureOut">
               <a:rPr lang="en-US" smtClean="0"/>
               <a:pPr/>
-              <a:t>2/3/2018</a:t>
+              <a:t>2/4/2018</a:t>
             </a:fld>
             <a:endParaRPr lang="en-US"/>
           </a:p>
@@ -1955,7 +1959,7 @@
             <a:fld id="{1D8BD707-D9CF-40AE-B4C6-C98DA3205C09}" type="datetimeFigureOut">
               <a:rPr lang="en-US" smtClean="0"/>
               <a:pPr/>
-              <a:t>2/3/2018</a:t>
+              <a:t>2/4/2018</a:t>
             </a:fld>
             <a:endParaRPr lang="en-US"/>
           </a:p>
@@ -2227,7 +2231,7 @@
             <a:fld id="{1D8BD707-D9CF-40AE-B4C6-C98DA3205C09}" type="datetimeFigureOut">
               <a:rPr lang="en-US" smtClean="0"/>
               <a:pPr/>
-              <a:t>2/3/2018</a:t>
+              <a:t>2/4/2018</a:t>
             </a:fld>
             <a:endParaRPr lang="en-US"/>
           </a:p>
@@ -2476,7 +2480,7 @@
             <a:fld id="{1D8BD707-D9CF-40AE-B4C6-C98DA3205C09}" type="datetimeFigureOut">
               <a:rPr lang="en-US" smtClean="0"/>
               <a:pPr/>
-              <a:t>2/3/2018</a:t>
+              <a:t>2/4/2018</a:t>
             </a:fld>
             <a:endParaRPr lang="en-US"/>
           </a:p>
@@ -2684,7 +2688,7 @@
             <a:fld id="{1D8BD707-D9CF-40AE-B4C6-C98DA3205C09}" type="datetimeFigureOut">
               <a:rPr lang="en-US" smtClean="0"/>
               <a:pPr/>
-              <a:t>2/3/2018</a:t>
+              <a:t>2/4/2018</a:t>
             </a:fld>
             <a:endParaRPr lang="en-US"/>
           </a:p>
@@ -3208,6 +3212,14 @@
           <a:p>
             <a:pPr lvl="1"/>
             <a:r>
+              <a:rPr lang="en-US"/>
+              <a:t>Course Overview</a:t>
+            </a:r>
+            <a:endParaRPr lang="en-US" dirty="0"/>
+          </a:p>
+          <a:p>
+            <a:pPr lvl="1"/>
+            <a:r>
               <a:rPr lang="en-US" dirty="0"/>
               <a:t>Module D1: GitHub Introduction</a:t>
             </a:r>
@@ -3234,13 +3246,8 @@
             <a:pPr lvl="1"/>
             <a:r>
               <a:rPr lang="en-US" dirty="0"/>
-              <a:t>Tuesday: </a:t>
-            </a:r>
-            <a:r>
-              <a:rPr lang="en-US"/>
-              <a:t>Complete Module D1 / Case Study 1</a:t>
-            </a:r>
-            <a:endParaRPr lang="en-US" dirty="0"/>
+              <a:t>Tuesday: Complete Module D1 / Case Study 1</a:t>
+            </a:r>
           </a:p>
         </p:txBody>
       </p:sp>
